--- a/Web Design/HTML/3. Forms/Forms.pptx
+++ b/Web Design/HTML/3. Forms/Forms.pptx
@@ -261,7 +261,7 @@
             <a:fld id="{3BF7C7B5-275F-4D1F-9AB4-9255447DBC73}" type="datetimeFigureOut">
               <a:rPr lang="en-US"/>
               <a:pPr/>
-              <a:t>1/11/2014</a:t>
+              <a:t>3/21/2014</a:t>
             </a:fld>
             <a:endParaRPr lang="en-US" dirty="0"/>
           </a:p>
@@ -492,7 +492,7 @@
             <a:fld id="{9B46F231-FB2B-4655-A644-E2477325E686}" type="datetimeFigureOut">
               <a:rPr lang="en-US"/>
               <a:pPr/>
-              <a:t>1/11/2014</a:t>
+              <a:t>3/21/2014</a:t>
             </a:fld>
             <a:endParaRPr lang="en-US" dirty="0"/>
           </a:p>
@@ -8006,15 +8006,15 @@
         </p:nvPicPr>
         <p:blipFill>
           <a:blip r:embed="rId2" cstate="print"/>
-          <a:srcRect/>
+          <a:srcRect l="1124" t="12542" r="8072" b="3768"/>
           <a:stretch>
             <a:fillRect/>
           </a:stretch>
         </p:blipFill>
         <p:spPr bwMode="auto">
           <a:xfrm>
-            <a:off x="4605772" y="838200"/>
-            <a:ext cx="3776228" cy="4592638"/>
+            <a:off x="4076854" y="838200"/>
+            <a:ext cx="4690660" cy="5257800"/>
           </a:xfrm>
           <a:prstGeom prst="rect">
             <a:avLst/>
@@ -8127,13 +8127,13 @@
               </a:ext>
             </a:extLst>
           </a:blip>
-          <a:srcRect/>
+          <a:srcRect l="3017" t="16345" r="7668" b="7684"/>
           <a:stretch/>
         </p:blipFill>
         <p:spPr bwMode="auto">
           <a:xfrm>
-            <a:off x="1803400" y="1202680"/>
-            <a:ext cx="5892800" cy="4762978"/>
+            <a:off x="914400" y="1219200"/>
+            <a:ext cx="7315200" cy="5029200"/>
           </a:xfrm>
           <a:prstGeom prst="rect">
             <a:avLst/>
@@ -8232,56 +8232,12 @@
             </a:pPr>
             <a:r>
               <a:rPr lang="en-US" sz="2800" dirty="0" smtClean="0"/>
-              <a:t>Construct the following Grid component:</a:t>
+              <a:t>Create </a:t>
             </a:r>
-          </a:p>
-          <a:p>
-            <a:pPr>
-              <a:lnSpc>
-                <a:spcPct val="100000"/>
-              </a:lnSpc>
-            </a:pPr>
-            <a:endParaRPr lang="en-US" dirty="0"/>
-          </a:p>
-          <a:p>
-            <a:pPr>
-              <a:lnSpc>
-                <a:spcPct val="100000"/>
-              </a:lnSpc>
-            </a:pPr>
-            <a:endParaRPr lang="en-US" dirty="0" smtClean="0"/>
-          </a:p>
-          <a:p>
-            <a:pPr>
-              <a:lnSpc>
-                <a:spcPct val="100000"/>
-              </a:lnSpc>
-            </a:pPr>
-            <a:endParaRPr lang="en-US" dirty="0"/>
-          </a:p>
-          <a:p>
-            <a:pPr>
-              <a:lnSpc>
-                <a:spcPct val="100000"/>
-              </a:lnSpc>
-            </a:pPr>
-            <a:endParaRPr lang="en-US" dirty="0" smtClean="0"/>
-          </a:p>
-          <a:p>
-            <a:pPr>
-              <a:lnSpc>
-                <a:spcPct val="100000"/>
-              </a:lnSpc>
-            </a:pPr>
-            <a:endParaRPr lang="en-US" dirty="0"/>
-          </a:p>
-          <a:p>
-            <a:pPr>
-              <a:lnSpc>
-                <a:spcPct val="100000"/>
-              </a:lnSpc>
-            </a:pPr>
-            <a:endParaRPr lang="en-US" dirty="0" smtClean="0"/>
+            <a:r>
+              <a:rPr lang="en-US" sz="2800" dirty="0" smtClean="0"/>
+              <a:t>the following HTML Page</a:t>
+            </a:r>
           </a:p>
           <a:p>
             <a:pPr lvl="1">
@@ -8291,30 +8247,92 @@
             </a:pPr>
             <a:r>
               <a:rPr lang="en-US" sz="2600" dirty="0" smtClean="0"/>
-              <a:t>Try to make a HTML page, that looks just like the example</a:t>
+              <a:t>Hint: Use </a:t>
             </a:r>
-          </a:p>
-          <a:p>
-            <a:pPr lvl="1">
+            <a:r>
+              <a:rPr lang="en-US" sz="2600" dirty="0" err="1" smtClean="0">
+                <a:solidFill>
+                  <a:schemeClr val="accent5">
+                    <a:lumMod val="20000"/>
+                    <a:lumOff val="80000"/>
+                  </a:schemeClr>
+                </a:solidFill>
+              </a:rPr>
+              <a:t>Fieldsets</a:t>
+            </a:r>
+            <a:r>
+              <a:rPr lang="en-US" sz="2600" dirty="0" smtClean="0">
+                <a:solidFill>
+                  <a:schemeClr val="accent5">
+                    <a:lumMod val="20000"/>
+                    <a:lumOff val="80000"/>
+                  </a:schemeClr>
+                </a:solidFill>
+              </a:rPr>
+              <a:t> </a:t>
+            </a:r>
+            <a:r>
+              <a:rPr lang="en-US" sz="2600" dirty="0" smtClean="0"/>
+              <a:t>and </a:t>
+            </a:r>
+            <a:r>
+              <a:rPr lang="en-US" sz="2600" dirty="0" smtClean="0">
+                <a:solidFill>
+                  <a:schemeClr val="accent5">
+                    <a:lumMod val="20000"/>
+                    <a:lumOff val="80000"/>
+                  </a:schemeClr>
+                </a:solidFill>
+              </a:rPr>
+              <a:t>Nested tables</a:t>
+            </a:r>
+            <a:endParaRPr lang="en-US" dirty="0"/>
+          </a:p>
+          <a:p>
+            <a:pPr>
               <a:lnSpc>
                 <a:spcPct val="100000"/>
               </a:lnSpc>
             </a:pPr>
-            <a:r>
-              <a:rPr lang="en-US" sz="2600" dirty="0"/>
-              <a:t>Not </a:t>
-            </a:r>
-            <a:r>
-              <a:rPr lang="en-US" sz="2600" dirty="0" smtClean="0"/>
-              <a:t>required to style for the homework</a:t>
-            </a:r>
-            <a:endParaRPr lang="en-US" sz="2600" dirty="0"/>
+            <a:endParaRPr lang="en-US" dirty="0" smtClean="0"/>
+          </a:p>
+          <a:p>
+            <a:pPr>
+              <a:lnSpc>
+                <a:spcPct val="100000"/>
+              </a:lnSpc>
+            </a:pPr>
+            <a:endParaRPr lang="en-US" dirty="0"/>
+          </a:p>
+          <a:p>
+            <a:pPr>
+              <a:lnSpc>
+                <a:spcPct val="100000"/>
+              </a:lnSpc>
+            </a:pPr>
+            <a:endParaRPr lang="en-US" dirty="0" smtClean="0"/>
+          </a:p>
+          <a:p>
+            <a:pPr>
+              <a:lnSpc>
+                <a:spcPct val="100000"/>
+              </a:lnSpc>
+            </a:pPr>
+            <a:endParaRPr lang="en-US" dirty="0"/>
+          </a:p>
+          <a:p>
+            <a:pPr>
+              <a:lnSpc>
+                <a:spcPct val="100000"/>
+              </a:lnSpc>
+            </a:pPr>
+            <a:endParaRPr lang="en-US" dirty="0" smtClean="0"/>
           </a:p>
         </p:txBody>
       </p:sp>
       <p:pic>
         <p:nvPicPr>
-          <p:cNvPr id="2050" name="Picture 2" descr="C:\Telerik Academy\Web Design\1. Web Design with HTML 5 and CSS 3\Lectures\3. HTML 5 Tables, Forms and Frames\Homework\grid.png"/>
+          <p:cNvPr id="4" name="Picture 2" descr="C:\Telerik Academy\Web Design\1. Web Design with HTML 5 and CSS 3\Lectures\3. HTML 5 Tables, Forms and Frames\Homework\Laptops.png"/>
           <p:cNvPicPr>
             <a:picLocks noChangeAspect="1" noChangeArrowheads="1"/>
           </p:cNvPicPr>
@@ -8324,7 +8342,7 @@
           <a:blip r:embed="rId2">
             <a:extLst>
               <a:ext uri="{28A0092B-C50C-407E-A947-70E740481C1C}">
-                <a14:useLocalDpi xmlns:a14="http://schemas.microsoft.com/office/drawing/2010/main" xmlns=""/>
+                <a14:useLocalDpi xmlns:a14="http://schemas.microsoft.com/office/drawing/2010/main" xmlns="" val="0"/>
               </a:ext>
             </a:extLst>
           </a:blip>
@@ -8335,12 +8353,12 @@
         </p:blipFill>
         <p:spPr bwMode="auto">
           <a:xfrm>
-            <a:off x="381000" y="904875"/>
-            <a:ext cx="8382000" cy="3743325"/>
+            <a:off x="1143000" y="1371600"/>
+            <a:ext cx="6553200" cy="4765963"/>
           </a:xfrm>
           <a:prstGeom prst="roundRect">
             <a:avLst>
-              <a:gd name="adj" fmla="val 2078"/>
+              <a:gd name="adj" fmla="val 2354"/>
             </a:avLst>
           </a:prstGeom>
           <a:noFill/>
@@ -8398,7 +8416,7 @@
         <p:spPr>
           <a:xfrm>
             <a:off x="228600" y="304800"/>
-            <a:ext cx="8686800" cy="1447800"/>
+            <a:ext cx="8686800" cy="609600"/>
           </a:xfrm>
         </p:spPr>
         <p:txBody>
@@ -8413,8 +8431,12 @@
               <a:buAutoNum type="arabicPeriod" startAt="4"/>
             </a:pPr>
             <a:r>
-              <a:rPr lang="en-US" sz="2800" dirty="0" smtClean="0"/>
-              <a:t>*Create the following HTML Page</a:t>
+              <a:rPr lang="en-US" sz="2400" dirty="0" smtClean="0"/>
+              <a:t>*Construct </a:t>
+            </a:r>
+            <a:r>
+              <a:rPr lang="en-US" sz="2400" dirty="0" smtClean="0"/>
+              <a:t>the following Grid component:</a:t>
             </a:r>
           </a:p>
           <a:p>
@@ -8423,53 +8445,20 @@
                 <a:spcPct val="100000"/>
               </a:lnSpc>
             </a:pPr>
-            <a:r>
-              <a:rPr lang="en-US" sz="2600" dirty="0" smtClean="0"/>
-              <a:t>Hint: Use </a:t>
-            </a:r>
-            <a:r>
-              <a:rPr lang="en-US" sz="2600" dirty="0" smtClean="0">
-                <a:solidFill>
-                  <a:schemeClr val="accent5">
-                    <a:lumMod val="20000"/>
-                    <a:lumOff val="80000"/>
-                  </a:schemeClr>
-                </a:solidFill>
-              </a:rPr>
-              <a:t>Fieldsets</a:t>
-            </a:r>
-            <a:r>
-              <a:rPr lang="en-US" sz="2600" dirty="0">
-                <a:solidFill>
-                  <a:schemeClr val="accent5">
-                    <a:lumMod val="20000"/>
-                    <a:lumOff val="80000"/>
-                  </a:schemeClr>
-                </a:solidFill>
-              </a:rPr>
-              <a:t> </a:t>
-            </a:r>
-            <a:r>
-              <a:rPr lang="en-US" sz="2600" dirty="0" smtClean="0"/>
-              <a:t>and </a:t>
-            </a:r>
-            <a:r>
-              <a:rPr lang="en-US" sz="2600" dirty="0" smtClean="0">
-                <a:solidFill>
-                  <a:schemeClr val="accent5">
-                    <a:lumMod val="20000"/>
-                    <a:lumOff val="80000"/>
-                  </a:schemeClr>
-                </a:solidFill>
-              </a:rPr>
-              <a:t>Nested tables</a:t>
-            </a:r>
+            <a:endParaRPr lang="en-US" sz="2600" dirty="0" smtClean="0">
+              <a:solidFill>
+                <a:schemeClr val="accent5">
+                  <a:lumMod val="20000"/>
+                  <a:lumOff val="80000"/>
+                </a:schemeClr>
+              </a:solidFill>
+            </a:endParaRPr>
           </a:p>
         </p:txBody>
       </p:sp>
       <p:pic>
         <p:nvPicPr>
-          <p:cNvPr id="6146" name="Picture 2" descr="C:\Telerik Academy\Web Design\1. Web Design with HTML 5 and CSS 3\Lectures\3. HTML 5 Tables, Forms and Frames\Homework\Laptops.png"/>
+          <p:cNvPr id="4" name="Picture 2" descr="C:\Telerik Academy\Web Design\1. Web Design with HTML 5 and CSS 3\Lectures\3. HTML 5 Tables, Forms and Frames\Homework\grid.png"/>
           <p:cNvPicPr>
             <a:picLocks noChangeAspect="1" noChangeArrowheads="1"/>
           </p:cNvPicPr>
@@ -8479,7 +8468,7 @@
           <a:blip r:embed="rId2">
             <a:extLst>
               <a:ext uri="{28A0092B-C50C-407E-A947-70E740481C1C}">
-                <a14:useLocalDpi xmlns:a14="http://schemas.microsoft.com/office/drawing/2010/main" xmlns="" val="0"/>
+                <a14:useLocalDpi xmlns:a14="http://schemas.microsoft.com/office/drawing/2010/main" xmlns=""/>
               </a:ext>
             </a:extLst>
           </a:blip>
@@ -8490,12 +8479,12 @@
         </p:blipFill>
         <p:spPr bwMode="auto">
           <a:xfrm>
-            <a:off x="1295400" y="1676400"/>
-            <a:ext cx="6553200" cy="4765963"/>
+            <a:off x="381000" y="914400"/>
+            <a:ext cx="8382000" cy="3743325"/>
           </a:xfrm>
           <a:prstGeom prst="roundRect">
             <a:avLst>
-              <a:gd name="adj" fmla="val 2354"/>
+              <a:gd name="adj" fmla="val 2078"/>
             </a:avLst>
           </a:prstGeom>
           <a:noFill/>
@@ -8510,6 +8499,99 @@
           </a:extLst>
         </p:spPr>
       </p:pic>
+      <p:sp>
+        <p:nvSpPr>
+          <p:cNvPr id="5" name="Rectangle 4"/>
+          <p:cNvSpPr/>
+          <p:nvPr/>
+        </p:nvSpPr>
+        <p:spPr>
+          <a:xfrm>
+            <a:off x="381000" y="4765119"/>
+            <a:ext cx="8153400" cy="1446550"/>
+          </a:xfrm>
+          <a:prstGeom prst="rect">
+            <a:avLst/>
+          </a:prstGeom>
+        </p:spPr>
+        <p:txBody>
+          <a:bodyPr wrap="square">
+            <a:spAutoFit/>
+          </a:bodyPr>
+          <a:lstStyle/>
+          <a:p>
+            <a:pPr marL="630238" lvl="1" indent="-273050">
+              <a:spcBef>
+                <a:spcPts val="600"/>
+              </a:spcBef>
+              <a:spcAft>
+                <a:spcPts val="600"/>
+              </a:spcAft>
+              <a:buClr>
+                <a:srgbClr val="8FD600"/>
+              </a:buClr>
+              <a:buFont typeface="Wingdings 2" pitchFamily="18" charset="2"/>
+              <a:buChar char=""/>
+            </a:pPr>
+            <a:r>
+              <a:rPr lang="en-US" sz="2600" b="1" dirty="0" smtClean="0">
+                <a:solidFill>
+                  <a:schemeClr val="tx1">
+                    <a:lumMod val="40000"/>
+                    <a:lumOff val="60000"/>
+                  </a:schemeClr>
+                </a:solidFill>
+                <a:effectLst>
+                  <a:outerShdw blurRad="38100" dist="38100" dir="2700000" algn="tl">
+                    <a:srgbClr val="000000">
+                      <a:alpha val="43137"/>
+                    </a:srgbClr>
+                  </a:outerShdw>
+                </a:effectLst>
+                <a:latin typeface="+mn-lt"/>
+              </a:rPr>
+              <a:t>Try to make a HTML page, that looks just like the example</a:t>
+            </a:r>
+          </a:p>
+          <a:p>
+            <a:pPr marL="630238" lvl="1" indent="-273050">
+              <a:lnSpc>
+                <a:spcPct val="100000"/>
+              </a:lnSpc>
+              <a:spcBef>
+                <a:spcPts val="600"/>
+              </a:spcBef>
+              <a:spcAft>
+                <a:spcPts val="600"/>
+              </a:spcAft>
+              <a:buClr>
+                <a:srgbClr val="8FD600"/>
+              </a:buClr>
+              <a:buFont typeface="Wingdings 2" pitchFamily="18" charset="2"/>
+              <a:buChar char=""/>
+            </a:pPr>
+            <a:r>
+              <a:rPr lang="en-US" sz="2600" b="1" dirty="0" smtClean="0">
+                <a:solidFill>
+                  <a:schemeClr val="tx1">
+                    <a:lumMod val="40000"/>
+                    <a:lumOff val="60000"/>
+                  </a:schemeClr>
+                </a:solidFill>
+                <a:effectLst>
+                  <a:outerShdw blurRad="38100" dist="38100" dir="2700000" algn="tl">
+                    <a:srgbClr val="000000">
+                      <a:alpha val="43137"/>
+                    </a:srgbClr>
+                  </a:outerShdw>
+                </a:effectLst>
+                <a:latin typeface="+mn-lt"/>
+              </a:rPr>
+              <a:t>CSS is required</a:t>
+            </a:r>
+          </a:p>
+        </p:txBody>
+      </p:sp>
     </p:spTree>
     <p:extLst>
       <p:ext uri="{BB962C8B-B14F-4D97-AF65-F5344CB8AC3E}">
